--- a/docs/images/hvr-software-architecture-diagram.pptx
+++ b/docs/images/hvr-software-architecture-diagram.pptx
@@ -232,7 +232,7 @@
           <a:p>
             <a:fld id="{49A7721D-1176-A640-AC48-B82F78C92D56}" type="datetimeFigureOut">
               <a:rPr lang="en-US" smtClean="0"/>
-              <a:t>7/14/2021</a:t>
+              <a:t>7/19/2021</a:t>
             </a:fld>
             <a:endParaRPr lang="en-US" dirty="0"/>
           </a:p>
@@ -409,7 +409,7 @@
           <a:p>
             <a:fld id="{C884A089-FB25-6D46-9D21-F0F04A18BCA8}" type="datetimeFigureOut">
               <a:rPr lang="en-US" smtClean="0"/>
-              <a:t>7/14/2021</a:t>
+              <a:t>7/19/2021</a:t>
             </a:fld>
             <a:endParaRPr lang="en-US" dirty="0"/>
           </a:p>
@@ -896,7 +896,7 @@
           <a:p>
             <a:fld id="{548045AF-2F23-744F-A16F-4B5C9AF54FA3}" type="datetimeFigureOut">
               <a:rPr lang="en-US" smtClean="0"/>
-              <a:t>7/14/2021</a:t>
+              <a:t>7/19/2021</a:t>
             </a:fld>
             <a:endParaRPr lang="en-US" dirty="0"/>
           </a:p>
@@ -1066,7 +1066,7 @@
           <a:p>
             <a:fld id="{C764DE79-268F-4C1A-8933-263129D2AF90}" type="datetimeFigureOut">
               <a:rPr lang="en-US" smtClean="0"/>
-              <a:t>7/14/2021</a:t>
+              <a:t>7/19/2021</a:t>
             </a:fld>
             <a:endParaRPr lang="en-US" dirty="0"/>
           </a:p>
@@ -1247,7 +1247,7 @@
           <a:p>
             <a:fld id="{C764DE79-268F-4C1A-8933-263129D2AF90}" type="datetimeFigureOut">
               <a:rPr lang="en-US" smtClean="0"/>
-              <a:t>7/14/2021</a:t>
+              <a:t>7/19/2021</a:t>
             </a:fld>
             <a:endParaRPr lang="en-US" dirty="0"/>
           </a:p>
@@ -1623,7 +1623,7 @@
           <a:p>
             <a:fld id="{C764DE79-268F-4C1A-8933-263129D2AF90}" type="datetimeFigureOut">
               <a:rPr lang="en-US" smtClean="0"/>
-              <a:t>7/14/2021</a:t>
+              <a:t>7/19/2021</a:t>
             </a:fld>
             <a:endParaRPr lang="en-US" dirty="0"/>
           </a:p>
@@ -1867,7 +1867,7 @@
           <a:p>
             <a:fld id="{C764DE79-268F-4C1A-8933-263129D2AF90}" type="datetimeFigureOut">
               <a:rPr lang="en-US" smtClean="0"/>
-              <a:t>7/14/2021</a:t>
+              <a:t>7/19/2021</a:t>
             </a:fld>
             <a:endParaRPr lang="en-US" dirty="0"/>
           </a:p>
@@ -2100,7 +2100,7 @@
           <a:p>
             <a:fld id="{C764DE79-268F-4C1A-8933-263129D2AF90}" type="datetimeFigureOut">
               <a:rPr lang="en-US" smtClean="0"/>
-              <a:t>7/14/2021</a:t>
+              <a:t>7/19/2021</a:t>
             </a:fld>
             <a:endParaRPr lang="en-US" dirty="0"/>
           </a:p>
@@ -2468,7 +2468,7 @@
           <a:p>
             <a:fld id="{C764DE79-268F-4C1A-8933-263129D2AF90}" type="datetimeFigureOut">
               <a:rPr lang="en-US" smtClean="0"/>
-              <a:t>7/14/2021</a:t>
+              <a:t>7/19/2021</a:t>
             </a:fld>
             <a:endParaRPr lang="en-US" dirty="0"/>
           </a:p>
@@ -2587,7 +2587,7 @@
           <a:p>
             <a:fld id="{C764DE79-268F-4C1A-8933-263129D2AF90}" type="datetimeFigureOut">
               <a:rPr lang="en-US" smtClean="0"/>
-              <a:t>7/14/2021</a:t>
+              <a:t>7/19/2021</a:t>
             </a:fld>
             <a:endParaRPr lang="en-US" dirty="0"/>
           </a:p>
@@ -2683,7 +2683,7 @@
           <a:p>
             <a:fld id="{C764DE79-268F-4C1A-8933-263129D2AF90}" type="datetimeFigureOut">
               <a:rPr lang="en-US" smtClean="0"/>
-              <a:t>7/14/2021</a:t>
+              <a:t>7/19/2021</a:t>
             </a:fld>
             <a:endParaRPr lang="en-US" dirty="0"/>
           </a:p>
@@ -2961,7 +2961,7 @@
           <a:p>
             <a:fld id="{C764DE79-268F-4C1A-8933-263129D2AF90}" type="datetimeFigureOut">
               <a:rPr lang="en-US" smtClean="0"/>
-              <a:t>7/14/2021</a:t>
+              <a:t>7/19/2021</a:t>
             </a:fld>
             <a:endParaRPr lang="en-US" dirty="0"/>
           </a:p>
@@ -3219,7 +3219,7 @@
           <a:p>
             <a:fld id="{C764DE79-268F-4C1A-8933-263129D2AF90}" type="datetimeFigureOut">
               <a:rPr lang="en-US" smtClean="0"/>
-              <a:t>7/14/2021</a:t>
+              <a:t>7/19/2021</a:t>
             </a:fld>
             <a:endParaRPr lang="en-US" dirty="0"/>
           </a:p>
@@ -3433,7 +3433,7 @@
           <a:p>
             <a:fld id="{C764DE79-268F-4C1A-8933-263129D2AF90}" type="datetimeFigureOut">
               <a:rPr lang="en-US" smtClean="0"/>
-              <a:t>7/14/2021</a:t>
+              <a:t>7/19/2021</a:t>
             </a:fld>
             <a:endParaRPr lang="en-US" dirty="0"/>
           </a:p>
@@ -4467,7 +4467,7 @@
         </p:nvSpPr>
         <p:spPr bwMode="auto">
           <a:xfrm>
-            <a:off x="3293337" y="5951969"/>
+            <a:off x="3238841" y="5951969"/>
             <a:ext cx="822960" cy="274320"/>
           </a:xfrm>
           <a:prstGeom prst="rect">
@@ -4602,7 +4602,7 @@
           <a:p>
             <a:pPr algn="ctr" eaLnBrk="1" hangingPunct="1"/>
             <a:r>
-              <a:rPr lang="en-US" altLang="en-US" sz="1100" smtClean="0">
+              <a:rPr lang="en-US" altLang="en-US" sz="1200" dirty="0" smtClean="0">
                 <a:latin typeface="Arial" panose="020B0604020202020204" pitchFamily="34" charset="0"/>
                 <a:ea typeface="Amazon Ember" panose="020B0603020204020204" pitchFamily="34" charset="0"/>
                 <a:cs typeface="Arial" panose="020B0604020202020204" pitchFamily="34" charset="0"/>
@@ -4646,7 +4646,7 @@
         </p:blipFill>
         <p:spPr bwMode="auto">
           <a:xfrm>
-            <a:off x="3476217" y="5487149"/>
+            <a:off x="3421721" y="5487149"/>
             <a:ext cx="457200" cy="457200"/>
           </a:xfrm>
           <a:prstGeom prst="rect">
@@ -4693,8 +4693,8 @@
         </p:nvSpPr>
         <p:spPr bwMode="auto">
           <a:xfrm>
-            <a:off x="3201897" y="3574529"/>
-            <a:ext cx="1005840" cy="261610"/>
+            <a:off x="3055961" y="3574529"/>
+            <a:ext cx="1188720" cy="276999"/>
           </a:xfrm>
           <a:prstGeom prst="rect">
             <a:avLst/>
@@ -4828,7 +4828,7 @@
           <a:p>
             <a:pPr algn="ctr" eaLnBrk="1" hangingPunct="1"/>
             <a:r>
-              <a:rPr lang="en-US" altLang="en-US" sz="1100" dirty="0">
+              <a:rPr lang="en-US" altLang="en-US" sz="1200" dirty="0">
                 <a:latin typeface="Arial" panose="020B0604020202020204" pitchFamily="34" charset="0"/>
                 <a:ea typeface="Amazon Ember" panose="020B0603020204020204" pitchFamily="34" charset="0"/>
                 <a:cs typeface="Arial" panose="020B0604020202020204" pitchFamily="34" charset="0"/>
@@ -4867,7 +4867,7 @@
         </p:blipFill>
         <p:spPr bwMode="auto">
           <a:xfrm>
-            <a:off x="3476217" y="3109459"/>
+            <a:off x="3421721" y="3109459"/>
             <a:ext cx="457200" cy="457200"/>
           </a:xfrm>
           <a:prstGeom prst="rect">
@@ -4916,8 +4916,8 @@
         </p:nvCxnSpPr>
         <p:spPr>
           <a:xfrm rot="10800000">
-            <a:off x="3704817" y="6226290"/>
-            <a:ext cx="1600200" cy="474875"/>
+            <a:off x="3650321" y="6226290"/>
+            <a:ext cx="1654696" cy="474875"/>
           </a:xfrm>
           <a:prstGeom prst="bentConnector2">
             <a:avLst/>
@@ -5033,7 +5033,7 @@
         <p:spPr>
           <a:xfrm flipV="1">
             <a:off x="5721367" y="6226289"/>
-            <a:ext cx="1641050" cy="474875"/>
+            <a:ext cx="1626762" cy="474875"/>
           </a:xfrm>
           <a:prstGeom prst="bentConnector2">
             <a:avLst/>
@@ -5216,7 +5216,7 @@
         </p:blipFill>
         <p:spPr bwMode="auto">
           <a:xfrm>
-            <a:off x="3476217" y="8311749"/>
+            <a:off x="3421721" y="8311749"/>
             <a:ext cx="457200" cy="457200"/>
           </a:xfrm>
           <a:prstGeom prst="rect">
@@ -5321,8 +5321,8 @@
         </p:nvSpPr>
         <p:spPr>
           <a:xfrm>
-            <a:off x="3611388" y="8761559"/>
-            <a:ext cx="819411" cy="261610"/>
+            <a:off x="3240616" y="8761559"/>
+            <a:ext cx="819411" cy="276999"/>
           </a:xfrm>
           <a:prstGeom prst="rect">
             <a:avLst/>
@@ -5337,11 +5337,11 @@
           <a:p>
             <a:pPr algn="ctr"/>
             <a:r>
-              <a:rPr lang="en-US" sz="1100" dirty="0">
+              <a:rPr lang="en-US" sz="1200" dirty="0" smtClean="0">
                 <a:latin typeface="Arial" panose="020B0604020202020204" pitchFamily="34" charset="0"/>
                 <a:cs typeface="Arial" panose="020B0604020202020204" pitchFamily="34" charset="0"/>
               </a:rPr>
-              <a:t>Reader</a:t>
+              <a:t>Readers</a:t>
             </a:r>
             <a:endParaRPr lang="en-US" sz="1200" dirty="0">
               <a:latin typeface="Arial" panose="020B0604020202020204" pitchFamily="34" charset="0"/>
@@ -5364,8 +5364,8 @@
         </p:nvSpPr>
         <p:spPr>
           <a:xfrm>
-            <a:off x="6440682" y="8761559"/>
-            <a:ext cx="677958" cy="261610"/>
+            <a:off x="7019417" y="8761559"/>
+            <a:ext cx="677958" cy="276999"/>
           </a:xfrm>
           <a:prstGeom prst="rect">
             <a:avLst/>
@@ -5380,16 +5380,12 @@
           <a:p>
             <a:pPr algn="ctr"/>
             <a:r>
-              <a:rPr lang="en-US" sz="1100" dirty="0">
+              <a:rPr lang="en-US" sz="1200" dirty="0">
                 <a:latin typeface="Arial" panose="020B0604020202020204" pitchFamily="34" charset="0"/>
                 <a:cs typeface="Arial" panose="020B0604020202020204" pitchFamily="34" charset="0"/>
               </a:rPr>
               <a:t>Writer</a:t>
             </a:r>
-            <a:endParaRPr lang="en-US" sz="1200" dirty="0">
-              <a:latin typeface="Arial" panose="020B0604020202020204" pitchFamily="34" charset="0"/>
-              <a:cs typeface="Arial" panose="020B0604020202020204" pitchFamily="34" charset="0"/>
-            </a:endParaRPr>
           </a:p>
         </p:txBody>
       </p:sp>
@@ -5469,8 +5465,8 @@
         </p:nvSpPr>
         <p:spPr bwMode="auto">
           <a:xfrm>
-            <a:off x="6859497" y="3574529"/>
-            <a:ext cx="1005840" cy="261610"/>
+            <a:off x="6802344" y="3574529"/>
+            <a:ext cx="1105425" cy="276999"/>
           </a:xfrm>
           <a:prstGeom prst="rect">
             <a:avLst/>
@@ -5604,18 +5600,13 @@
           <a:p>
             <a:pPr algn="ctr" eaLnBrk="1" hangingPunct="1"/>
             <a:r>
-              <a:rPr lang="en-US" altLang="en-US" sz="1100">
+              <a:rPr lang="en-US" altLang="en-US" sz="1200" dirty="0">
                 <a:latin typeface="Arial" panose="020B0604020202020204" pitchFamily="34" charset="0"/>
                 <a:ea typeface="Amazon Ember" panose="020B0603020204020204" pitchFamily="34" charset="0"/>
                 <a:cs typeface="Arial" panose="020B0604020202020204" pitchFamily="34" charset="0"/>
               </a:rPr>
               <a:t>Bastion host</a:t>
             </a:r>
-            <a:endParaRPr lang="en-US" altLang="en-US" sz="1200" dirty="0">
-              <a:latin typeface="Arial" panose="020B0604020202020204" pitchFamily="34" charset="0"/>
-              <a:ea typeface="Amazon Ember" panose="020B0603020204020204" pitchFamily="34" charset="0"/>
-              <a:cs typeface="Arial" panose="020B0604020202020204" pitchFamily="34" charset="0"/>
-            </a:endParaRPr>
           </a:p>
         </p:txBody>
       </p:sp>
@@ -6148,8 +6139,8 @@
         </p:nvCxnSpPr>
         <p:spPr>
           <a:xfrm flipH="1">
-            <a:off x="3933417" y="8539433"/>
-            <a:ext cx="1348740" cy="916"/>
+            <a:off x="3878921" y="8539433"/>
+            <a:ext cx="1403236" cy="916"/>
           </a:xfrm>
           <a:prstGeom prst="straightConnector1">
             <a:avLst/>
@@ -6457,7 +6448,7 @@
         </p:nvSpPr>
         <p:spPr>
           <a:xfrm>
-            <a:off x="4939257" y="6950189"/>
+            <a:off x="4953545" y="6893037"/>
             <a:ext cx="1105597" cy="276999"/>
           </a:xfrm>
           <a:prstGeom prst="rect">
@@ -6510,7 +6501,7 @@
         </p:blipFill>
         <p:spPr bwMode="auto">
           <a:xfrm>
-            <a:off x="5305018" y="2398971"/>
+            <a:off x="5315756" y="2434313"/>
             <a:ext cx="375499" cy="375499"/>
           </a:xfrm>
           <a:prstGeom prst="rect">
@@ -6599,66 +6590,6 @@
           </a:extLst>
         </p:spPr>
       </p:pic>
-      <p:pic>
-        <p:nvPicPr>
-          <p:cNvPr id="64" name="Graphic 24">
-            <a:extLst>
-              <a:ext uri="{FF2B5EF4-FFF2-40B4-BE49-F238E27FC236}">
-                <a16:creationId xmlns:a16="http://schemas.microsoft.com/office/drawing/2014/main" id="{163FD68F-1216-D040-9F23-B217ED68FF46}"/>
-              </a:ext>
-            </a:extLst>
-          </p:cNvPr>
-          <p:cNvPicPr>
-            <a:picLocks noChangeAspect="1" noChangeArrowheads="1"/>
-          </p:cNvPicPr>
-          <p:nvPr/>
-        </p:nvPicPr>
-        <p:blipFill>
-          <a:blip r:embed="rId14">
-            <a:extLst>
-              <a:ext uri="{28A0092B-C50C-407E-A947-70E740481C1C}">
-                <a14:useLocalDpi xmlns:a14="http://schemas.microsoft.com/office/drawing/2010/main" val="0"/>
-              </a:ext>
-            </a:extLst>
-          </a:blip>
-          <a:srcRect/>
-          <a:stretch>
-            <a:fillRect/>
-          </a:stretch>
-        </p:blipFill>
-        <p:spPr bwMode="auto">
-          <a:xfrm>
-            <a:off x="5305017" y="4755629"/>
-            <a:ext cx="375499" cy="375499"/>
-          </a:xfrm>
-          <a:prstGeom prst="rect">
-            <a:avLst/>
-          </a:prstGeom>
-          <a:noFill/>
-          <a:ln>
-            <a:noFill/>
-          </a:ln>
-          <a:extLst>
-            <a:ext uri="{909E8E84-426E-40DD-AFC4-6F175D3DCCD1}">
-              <a14:hiddenFill xmlns:a14="http://schemas.microsoft.com/office/drawing/2010/main">
-                <a:solidFill>
-                  <a:srgbClr val="FFFFFF"/>
-                </a:solidFill>
-              </a14:hiddenFill>
-            </a:ext>
-            <a:ext uri="{91240B29-F687-4F45-9708-019B960494DF}">
-              <a14:hiddenLine xmlns:a14="http://schemas.microsoft.com/office/drawing/2010/main" w="9525">
-                <a:solidFill>
-                  <a:srgbClr val="000000"/>
-                </a:solidFill>
-                <a:miter lim="800000"/>
-                <a:headEnd/>
-                <a:tailEnd/>
-              </a14:hiddenLine>
-            </a:ext>
-          </a:extLst>
-        </p:spPr>
-      </p:pic>
       <p:sp>
         <p:nvSpPr>
           <p:cNvPr id="72" name="TextBox 71">
@@ -6673,8 +6604,8 @@
         </p:nvSpPr>
         <p:spPr>
           <a:xfrm>
-            <a:off x="4657488" y="2759903"/>
-            <a:ext cx="1667919" cy="261610"/>
+            <a:off x="4585380" y="2759903"/>
+            <a:ext cx="1836250" cy="276999"/>
           </a:xfrm>
           <a:prstGeom prst="rect">
             <a:avLst/>
@@ -6689,16 +6620,26 @@
           <a:p>
             <a:pPr algn="ctr"/>
             <a:r>
-              <a:rPr lang="en-US" sz="1100">
+              <a:rPr lang="en-US" sz="1200" dirty="0">
                 <a:latin typeface="Arial" panose="020B0604020202020204" pitchFamily="34" charset="0"/>
                 <a:cs typeface="Arial" panose="020B0604020202020204" pitchFamily="34" charset="0"/>
               </a:rPr>
-              <a:t>Network Load Balancer</a:t>
-            </a:r>
-            <a:endParaRPr lang="en-US" sz="1200" dirty="0">
-              <a:latin typeface="Arial" panose="020B0604020202020204" pitchFamily="34" charset="0"/>
-              <a:cs typeface="Arial" panose="020B0604020202020204" pitchFamily="34" charset="0"/>
-            </a:endParaRPr>
+              <a:t>Network </a:t>
+            </a:r>
+            <a:r>
+              <a:rPr lang="en-US" sz="1200" dirty="0" smtClean="0">
+                <a:latin typeface="Arial" panose="020B0604020202020204" pitchFamily="34" charset="0"/>
+                <a:cs typeface="Arial" panose="020B0604020202020204" pitchFamily="34" charset="0"/>
+              </a:rPr>
+              <a:t>Load </a:t>
+            </a:r>
+            <a:r>
+              <a:rPr lang="en-US" sz="1200" dirty="0">
+                <a:latin typeface="Arial" panose="020B0604020202020204" pitchFamily="34" charset="0"/>
+                <a:cs typeface="Arial" panose="020B0604020202020204" pitchFamily="34" charset="0"/>
+              </a:rPr>
+              <a:t>Balancer</a:t>
+            </a:r>
           </a:p>
         </p:txBody>
       </p:sp>
@@ -6841,7 +6782,7 @@
         <p:spPr>
           <a:xfrm>
             <a:off x="2196057" y="1280909"/>
-            <a:ext cx="2468880" cy="8321040"/>
+            <a:ext cx="2447924" cy="8321040"/>
           </a:xfrm>
           <a:prstGeom prst="rect">
             <a:avLst/>
@@ -6878,7 +6819,7 @@
               <a:defRPr/>
             </a:pPr>
             <a:r>
-              <a:rPr lang="en-US" sz="1200">
+              <a:rPr lang="en-US" sz="1200" dirty="0">
                 <a:solidFill>
                   <a:srgbClr val="5B9CD5"/>
                 </a:solidFill>
@@ -6887,13 +6828,6 @@
               </a:rPr>
               <a:t>Availability Zone 1</a:t>
             </a:r>
-            <a:endParaRPr lang="en-US" sz="1200" dirty="0">
-              <a:solidFill>
-                <a:srgbClr val="5B9CD5"/>
-              </a:solidFill>
-              <a:latin typeface="Arial" panose="020B0604020202020204" pitchFamily="34" charset="0"/>
-              <a:cs typeface="Arial" panose="020B0604020202020204" pitchFamily="34" charset="0"/>
-            </a:endParaRPr>
           </a:p>
         </p:txBody>
       </p:sp>
@@ -6911,8 +6845,8 @@
         </p:nvSpPr>
         <p:spPr>
           <a:xfrm>
-            <a:off x="6310857" y="1280909"/>
-            <a:ext cx="2468880" cy="8321040"/>
+            <a:off x="6356575" y="1280909"/>
+            <a:ext cx="2423161" cy="8321040"/>
           </a:xfrm>
           <a:prstGeom prst="rect">
             <a:avLst/>
@@ -6949,7 +6883,7 @@
               <a:defRPr/>
             </a:pPr>
             <a:r>
-              <a:rPr lang="en-US" sz="1200">
+              <a:rPr lang="en-US" sz="1200" dirty="0">
                 <a:solidFill>
                   <a:srgbClr val="5B9CD5"/>
                 </a:solidFill>
@@ -6958,13 +6892,6 @@
               </a:rPr>
               <a:t>Availability Zone 2</a:t>
             </a:r>
-            <a:endParaRPr lang="en-US" sz="1200" dirty="0">
-              <a:solidFill>
-                <a:srgbClr val="5B9CD5"/>
-              </a:solidFill>
-              <a:latin typeface="Arial" panose="020B0604020202020204" pitchFamily="34" charset="0"/>
-              <a:cs typeface="Arial" panose="020B0604020202020204" pitchFamily="34" charset="0"/>
-            </a:endParaRPr>
           </a:p>
         </p:txBody>
       </p:sp>
@@ -7096,49 +7023,6 @@
       </p:sp>
       <p:sp>
         <p:nvSpPr>
-          <p:cNvPr id="79" name="TextBox 78">
-            <a:extLst>
-              <a:ext uri="{FF2B5EF4-FFF2-40B4-BE49-F238E27FC236}">
-                <a16:creationId xmlns:a16="http://schemas.microsoft.com/office/drawing/2014/main" id="{BF755362-8665-E342-89C0-DF6736B202D7}"/>
-              </a:ext>
-            </a:extLst>
-          </p:cNvPr>
-          <p:cNvSpPr txBox="1"/>
-          <p:nvPr/>
-        </p:nvSpPr>
-        <p:spPr>
-          <a:xfrm>
-            <a:off x="4634793" y="5087686"/>
-            <a:ext cx="1667919" cy="261610"/>
-          </a:xfrm>
-          <a:prstGeom prst="rect">
-            <a:avLst/>
-          </a:prstGeom>
-          <a:noFill/>
-        </p:spPr>
-        <p:txBody>
-          <a:bodyPr wrap="square" rtlCol="0">
-            <a:spAutoFit/>
-          </a:bodyPr>
-          <a:lstStyle/>
-          <a:p>
-            <a:pPr algn="ctr"/>
-            <a:r>
-              <a:rPr lang="en-US" sz="1100">
-                <a:latin typeface="Arial" panose="020B0604020202020204" pitchFamily="34" charset="0"/>
-                <a:cs typeface="Arial" panose="020B0604020202020204" pitchFamily="34" charset="0"/>
-              </a:rPr>
-              <a:t>Network Load Balancer</a:t>
-            </a:r>
-            <a:endParaRPr lang="en-US" sz="1200" dirty="0">
-              <a:latin typeface="Arial" panose="020B0604020202020204" pitchFamily="34" charset="0"/>
-              <a:cs typeface="Arial" panose="020B0604020202020204" pitchFamily="34" charset="0"/>
-            </a:endParaRPr>
-          </a:p>
-        </p:txBody>
-      </p:sp>
-      <p:sp>
-        <p:nvSpPr>
           <p:cNvPr id="96" name="TextBox 52">
             <a:extLst>
               <a:ext uri="{FF2B5EF4-FFF2-40B4-BE49-F238E27FC236}">
@@ -7153,7 +7037,7 @@
         </p:nvSpPr>
         <p:spPr bwMode="auto">
           <a:xfrm>
-            <a:off x="6950937" y="5951969"/>
+            <a:off x="6936649" y="5951969"/>
             <a:ext cx="822960" cy="274320"/>
           </a:xfrm>
           <a:prstGeom prst="rect">
@@ -7288,7 +7172,7 @@
           <a:p>
             <a:pPr algn="ctr" eaLnBrk="1" hangingPunct="1"/>
             <a:r>
-              <a:rPr lang="en-US" altLang="en-US" sz="1100" smtClean="0">
+              <a:rPr lang="en-US" altLang="en-US" sz="1200" dirty="0" smtClean="0">
                 <a:latin typeface="Arial" panose="020B0604020202020204" pitchFamily="34" charset="0"/>
                 <a:ea typeface="Amazon Ember" panose="020B0603020204020204" pitchFamily="34" charset="0"/>
                 <a:cs typeface="Arial" panose="020B0604020202020204" pitchFamily="34" charset="0"/>
@@ -7422,8 +7306,8 @@
         </p:nvSpPr>
         <p:spPr bwMode="auto">
           <a:xfrm>
-            <a:off x="3253853" y="7872209"/>
-            <a:ext cx="914400" cy="274320"/>
+            <a:off x="3075703" y="7872209"/>
+            <a:ext cx="1149236" cy="276999"/>
           </a:xfrm>
           <a:prstGeom prst="rect">
             <a:avLst/>
@@ -7557,7 +7441,7 @@
           <a:p>
             <a:pPr algn="ctr" eaLnBrk="1" hangingPunct="1"/>
             <a:r>
-              <a:rPr lang="en-US" altLang="en-US" sz="1100" smtClean="0">
+              <a:rPr lang="en-US" altLang="en-US" sz="1200" dirty="0" smtClean="0">
                 <a:latin typeface="Arial" panose="020B0604020202020204" pitchFamily="34" charset="0"/>
                 <a:ea typeface="Amazon Ember" panose="020B0603020204020204" pitchFamily="34" charset="0"/>
                 <a:cs typeface="Arial" panose="020B0604020202020204" pitchFamily="34" charset="0"/>
@@ -7601,76 +7485,7 @@
         </p:blipFill>
         <p:spPr bwMode="auto">
           <a:xfrm>
-            <a:off x="3476217" y="7407389"/>
-            <a:ext cx="457200" cy="457200"/>
-          </a:xfrm>
-          <a:prstGeom prst="rect">
-            <a:avLst/>
-          </a:prstGeom>
-          <a:noFill/>
-          <a:ln>
-            <a:noFill/>
-          </a:ln>
-          <a:extLst>
-            <a:ext uri="{909E8E84-426E-40DD-AFC4-6F175D3DCCD1}">
-              <a14:hiddenFill xmlns:a14="http://schemas.microsoft.com/office/drawing/2010/main">
-                <a:solidFill>
-                  <a:srgbClr val="FFFFFF"/>
-                </a:solidFill>
-              </a14:hiddenFill>
-            </a:ext>
-            <a:ext uri="{91240B29-F687-4F45-9708-019B960494DF}">
-              <a14:hiddenLine xmlns:a14="http://schemas.microsoft.com/office/drawing/2010/main" w="9525">
-                <a:solidFill>
-                  <a:srgbClr val="000000"/>
-                </a:solidFill>
-                <a:miter lim="800000"/>
-                <a:headEnd/>
-                <a:tailEnd/>
-              </a14:hiddenLine>
-            </a:ext>
-          </a:extLst>
-        </p:spPr>
-      </p:pic>
-      <p:pic>
-        <p:nvPicPr>
-          <p:cNvPr id="114" name="Graphic 60">
-            <a:extLst>
-              <a:ext uri="{FF2B5EF4-FFF2-40B4-BE49-F238E27FC236}">
-                <a16:creationId xmlns:a16="http://schemas.microsoft.com/office/drawing/2014/main" id="{F9E24DDD-D3E4-6D4F-97F8-F6604443E5DC}"/>
-              </a:ext>
-            </a:extLst>
-          </p:cNvPr>
-          <p:cNvPicPr>
-            <a:picLocks noChangeAspect="1" noChangeArrowheads="1"/>
-          </p:cNvPicPr>
-          <p:nvPr/>
-        </p:nvPicPr>
-        <p:blipFill>
-          <a:blip r:embed="rId7">
-            <a:extLst>
-              <a:ext uri="{BEBA8EAE-BF5A-486C-A8C5-ECC9F3942E4B}">
-                <a14:imgProps xmlns:a14="http://schemas.microsoft.com/office/drawing/2010/main">
-                  <a14:imgLayer r:embed="rId8">
-                    <a14:imgEffect>
-                      <a14:artisticBlur/>
-                    </a14:imgEffect>
-                  </a14:imgLayer>
-                </a14:imgProps>
-              </a:ext>
-              <a:ext uri="{28A0092B-C50C-407E-A947-70E740481C1C}">
-                <a14:useLocalDpi xmlns:a14="http://schemas.microsoft.com/office/drawing/2010/main" val="0"/>
-              </a:ext>
-            </a:extLst>
-          </a:blip>
-          <a:srcRect/>
-          <a:stretch>
-            <a:fillRect/>
-          </a:stretch>
-        </p:blipFill>
-        <p:spPr bwMode="auto">
-          <a:xfrm>
-            <a:off x="7133817" y="7407389"/>
+            <a:off x="3421721" y="7407389"/>
             <a:ext cx="457200" cy="457200"/>
           </a:xfrm>
           <a:prstGeom prst="rect">
@@ -7777,8 +7592,8 @@
         </p:nvSpPr>
         <p:spPr bwMode="auto">
           <a:xfrm>
-            <a:off x="6905217" y="7872209"/>
-            <a:ext cx="914400" cy="274320"/>
+            <a:off x="6819489" y="7872209"/>
+            <a:ext cx="1051560" cy="276999"/>
           </a:xfrm>
           <a:prstGeom prst="rect">
             <a:avLst/>
@@ -7912,7 +7727,7 @@
           <a:p>
             <a:pPr algn="ctr" eaLnBrk="1" hangingPunct="1"/>
             <a:r>
-              <a:rPr lang="en-US" altLang="en-US" sz="1100" smtClean="0">
+              <a:rPr lang="en-US" altLang="en-US" sz="1200" dirty="0" smtClean="0">
                 <a:latin typeface="Arial" panose="020B0604020202020204" pitchFamily="34" charset="0"/>
                 <a:ea typeface="Amazon Ember" panose="020B0603020204020204" pitchFamily="34" charset="0"/>
                 <a:cs typeface="Arial" panose="020B0604020202020204" pitchFamily="34" charset="0"/>
@@ -7927,6 +7742,179 @@
           </a:p>
         </p:txBody>
       </p:sp>
+      <p:pic>
+        <p:nvPicPr>
+          <p:cNvPr id="56" name="Graphic 24">
+            <a:extLst>
+              <a:ext uri="{FF2B5EF4-FFF2-40B4-BE49-F238E27FC236}">
+                <a16:creationId xmlns:a16="http://schemas.microsoft.com/office/drawing/2014/main" id="{163FD68F-1216-D040-9F23-B217ED68FF46}"/>
+              </a:ext>
+            </a:extLst>
+          </p:cNvPr>
+          <p:cNvPicPr>
+            <a:picLocks noChangeAspect="1" noChangeArrowheads="1"/>
+          </p:cNvPicPr>
+          <p:nvPr/>
+        </p:nvPicPr>
+        <p:blipFill>
+          <a:blip r:embed="rId14">
+            <a:extLst>
+              <a:ext uri="{28A0092B-C50C-407E-A947-70E740481C1C}">
+                <a14:useLocalDpi xmlns:a14="http://schemas.microsoft.com/office/drawing/2010/main" val="0"/>
+              </a:ext>
+            </a:extLst>
+          </a:blip>
+          <a:srcRect/>
+          <a:stretch>
+            <a:fillRect/>
+          </a:stretch>
+        </p:blipFill>
+        <p:spPr bwMode="auto">
+          <a:xfrm>
+            <a:off x="5321852" y="4805657"/>
+            <a:ext cx="375499" cy="375499"/>
+          </a:xfrm>
+          <a:prstGeom prst="rect">
+            <a:avLst/>
+          </a:prstGeom>
+          <a:noFill/>
+          <a:ln>
+            <a:noFill/>
+          </a:ln>
+          <a:extLst>
+            <a:ext uri="{909E8E84-426E-40DD-AFC4-6F175D3DCCD1}">
+              <a14:hiddenFill xmlns:a14="http://schemas.microsoft.com/office/drawing/2010/main">
+                <a:solidFill>
+                  <a:srgbClr val="FFFFFF"/>
+                </a:solidFill>
+              </a14:hiddenFill>
+            </a:ext>
+            <a:ext uri="{91240B29-F687-4F45-9708-019B960494DF}">
+              <a14:hiddenLine xmlns:a14="http://schemas.microsoft.com/office/drawing/2010/main" w="9525">
+                <a:solidFill>
+                  <a:srgbClr val="000000"/>
+                </a:solidFill>
+                <a:miter lim="800000"/>
+                <a:headEnd/>
+                <a:tailEnd/>
+              </a14:hiddenLine>
+            </a:ext>
+          </a:extLst>
+        </p:spPr>
+      </p:pic>
+      <p:sp>
+        <p:nvSpPr>
+          <p:cNvPr id="57" name="TextBox 56">
+            <a:extLst>
+              <a:ext uri="{FF2B5EF4-FFF2-40B4-BE49-F238E27FC236}">
+                <a16:creationId xmlns:a16="http://schemas.microsoft.com/office/drawing/2014/main" id="{BF755362-8665-E342-89C0-DF6736B202D7}"/>
+              </a:ext>
+            </a:extLst>
+          </p:cNvPr>
+          <p:cNvSpPr txBox="1"/>
+          <p:nvPr/>
+        </p:nvSpPr>
+        <p:spPr>
+          <a:xfrm>
+            <a:off x="4591476" y="5131247"/>
+            <a:ext cx="1836250" cy="276999"/>
+          </a:xfrm>
+          <a:prstGeom prst="rect">
+            <a:avLst/>
+          </a:prstGeom>
+          <a:noFill/>
+        </p:spPr>
+        <p:txBody>
+          <a:bodyPr wrap="square" rtlCol="0">
+            <a:spAutoFit/>
+          </a:bodyPr>
+          <a:lstStyle/>
+          <a:p>
+            <a:pPr algn="ctr"/>
+            <a:r>
+              <a:rPr lang="en-US" sz="1200" dirty="0">
+                <a:latin typeface="Arial" panose="020B0604020202020204" pitchFamily="34" charset="0"/>
+                <a:cs typeface="Arial" panose="020B0604020202020204" pitchFamily="34" charset="0"/>
+              </a:rPr>
+              <a:t>Network </a:t>
+            </a:r>
+            <a:r>
+              <a:rPr lang="en-US" sz="1200" dirty="0" smtClean="0">
+                <a:latin typeface="Arial" panose="020B0604020202020204" pitchFamily="34" charset="0"/>
+                <a:cs typeface="Arial" panose="020B0604020202020204" pitchFamily="34" charset="0"/>
+              </a:rPr>
+              <a:t>Load </a:t>
+            </a:r>
+            <a:r>
+              <a:rPr lang="en-US" sz="1200" dirty="0">
+                <a:latin typeface="Arial" panose="020B0604020202020204" pitchFamily="34" charset="0"/>
+                <a:cs typeface="Arial" panose="020B0604020202020204" pitchFamily="34" charset="0"/>
+              </a:rPr>
+              <a:t>Balancer</a:t>
+            </a:r>
+          </a:p>
+        </p:txBody>
+      </p:sp>
+      <p:pic>
+        <p:nvPicPr>
+          <p:cNvPr id="58" name="Graphic 60">
+            <a:extLst>
+              <a:ext uri="{FF2B5EF4-FFF2-40B4-BE49-F238E27FC236}">
+                <a16:creationId xmlns:a16="http://schemas.microsoft.com/office/drawing/2014/main" id="{393A48C6-58F5-1046-9D48-1ED0E195769D}"/>
+              </a:ext>
+            </a:extLst>
+          </p:cNvPr>
+          <p:cNvPicPr>
+            <a:picLocks noChangeAspect="1" noChangeArrowheads="1"/>
+          </p:cNvPicPr>
+          <p:nvPr/>
+        </p:nvPicPr>
+        <p:blipFill>
+          <a:blip r:embed="rId6">
+            <a:extLst>
+              <a:ext uri="{28A0092B-C50C-407E-A947-70E740481C1C}">
+                <a14:useLocalDpi xmlns:a14="http://schemas.microsoft.com/office/drawing/2010/main" val="0"/>
+              </a:ext>
+            </a:extLst>
+          </a:blip>
+          <a:srcRect/>
+          <a:stretch>
+            <a:fillRect/>
+          </a:stretch>
+        </p:blipFill>
+        <p:spPr bwMode="auto">
+          <a:xfrm>
+            <a:off x="7121993" y="7413485"/>
+            <a:ext cx="457200" cy="457200"/>
+          </a:xfrm>
+          <a:prstGeom prst="rect">
+            <a:avLst/>
+          </a:prstGeom>
+          <a:noFill/>
+          <a:ln>
+            <a:noFill/>
+          </a:ln>
+          <a:extLst>
+            <a:ext uri="{909E8E84-426E-40DD-AFC4-6F175D3DCCD1}">
+              <a14:hiddenFill xmlns:a14="http://schemas.microsoft.com/office/drawing/2010/main">
+                <a:solidFill>
+                  <a:srgbClr val="FFFFFF"/>
+                </a:solidFill>
+              </a14:hiddenFill>
+            </a:ext>
+            <a:ext uri="{91240B29-F687-4F45-9708-019B960494DF}">
+              <a14:hiddenLine xmlns:a14="http://schemas.microsoft.com/office/drawing/2010/main" w="9525">
+                <a:solidFill>
+                  <a:srgbClr val="000000"/>
+                </a:solidFill>
+                <a:miter lim="800000"/>
+                <a:headEnd/>
+                <a:tailEnd/>
+              </a14:hiddenLine>
+            </a:ext>
+          </a:extLst>
+        </p:spPr>
+      </p:pic>
     </p:spTree>
     <p:extLst>
       <p:ext uri="{BB962C8B-B14F-4D97-AF65-F5344CB8AC3E}">
